--- a/DigiBP Project Group Ricola_FINAL.pptx
+++ b/DigiBP Project Group Ricola_FINAL.pptx
@@ -1319,7 +1319,12 @@
             <p:ph type="sldImg"/>
           </p:nvPr>
         </p:nvSpPr>
-        <p:spPr/>
+        <p:spPr>
+          <a:xfrm>
+            <a:off x="381000" y="685800"/>
+            <a:ext cx="6096000" cy="3429000"/>
+          </a:xfrm>
+        </p:spPr>
       </p:sp>
       <p:sp>
         <p:nvSpPr>
@@ -26588,32 +26593,49 @@
       </p:sp>
       <p:pic>
         <p:nvPicPr>
-          <p:cNvPr id="3" name="Grafik 2" descr="Ein Bild, das Text, Diagramm, technische Zeichnung, Plan enthält.&#10;&#10;Automatisch generierte Beschreibung">
+          <p:cNvPr id="2050" name="Picture 2" descr="image">
             <a:extLst>
               <a:ext uri="{FF2B5EF4-FFF2-40B4-BE49-F238E27FC236}">
-                <a16:creationId xmlns:a16="http://schemas.microsoft.com/office/drawing/2014/main" id="{8FC71439-5FCB-BD66-1502-F28FF872F098}"/>
+                <a16:creationId xmlns:a16="http://schemas.microsoft.com/office/drawing/2014/main" id="{7DBB480A-05F1-41E5-0853-AED8FF3C7494}"/>
               </a:ext>
             </a:extLst>
           </p:cNvPr>
           <p:cNvPicPr>
-            <a:picLocks noChangeAspect="1"/>
+            <a:picLocks noChangeAspect="1" noChangeArrowheads="1"/>
           </p:cNvPicPr>
           <p:nvPr/>
         </p:nvPicPr>
         <p:blipFill>
-          <a:blip r:embed="rId2"/>
+          <a:blip r:embed="rId2">
+            <a:extLst>
+              <a:ext uri="{28A0092B-C50C-407E-A947-70E740481C1C}">
+                <a14:useLocalDpi xmlns:a14="http://schemas.microsoft.com/office/drawing/2010/main" val="0"/>
+              </a:ext>
+            </a:extLst>
+          </a:blip>
+          <a:srcRect/>
           <a:stretch>
             <a:fillRect/>
           </a:stretch>
         </p:blipFill>
-        <p:spPr>
+        <p:spPr bwMode="auto">
           <a:xfrm>
-            <a:off x="578864" y="902225"/>
-            <a:ext cx="7845136" cy="3999106"/>
+            <a:off x="1314230" y="902225"/>
+            <a:ext cx="6515540" cy="4119092"/>
           </a:xfrm>
           <a:prstGeom prst="rect">
             <a:avLst/>
           </a:prstGeom>
+          <a:noFill/>
+          <a:extLst>
+            <a:ext uri="{909E8E84-426E-40DD-AFC4-6F175D3DCCD1}">
+              <a14:hiddenFill xmlns:a14="http://schemas.microsoft.com/office/drawing/2010/main">
+                <a:solidFill>
+                  <a:srgbClr val="FFFFFF"/>
+                </a:solidFill>
+              </a14:hiddenFill>
+            </a:ext>
+          </a:extLst>
         </p:spPr>
       </p:pic>
     </p:spTree>
@@ -37972,10 +37994,10 @@
       </p:sp>
       <p:pic>
         <p:nvPicPr>
-          <p:cNvPr id="3" name="Grafik 2" descr="Ein Bild, das Text, Diagramm, parallel, Reihe enthält.&#10;&#10;Automatisch generierte Beschreibung">
+          <p:cNvPr id="2" name="Grafik 1">
             <a:extLst>
               <a:ext uri="{FF2B5EF4-FFF2-40B4-BE49-F238E27FC236}">
-                <a16:creationId xmlns:a16="http://schemas.microsoft.com/office/drawing/2014/main" id="{E2867E40-5414-EAA5-7A88-312B412C6375}"/>
+                <a16:creationId xmlns:a16="http://schemas.microsoft.com/office/drawing/2014/main" id="{0BF8246C-1B91-D60A-BBAC-82E90C0DBAF1}"/>
               </a:ext>
             </a:extLst>
           </p:cNvPr>
@@ -37992,8 +38014,8 @@
         </p:blipFill>
         <p:spPr>
           <a:xfrm>
-            <a:off x="1320992" y="1107008"/>
-            <a:ext cx="6502015" cy="3843067"/>
+            <a:off x="1576791" y="962425"/>
+            <a:ext cx="5990418" cy="4080629"/>
           </a:xfrm>
           <a:prstGeom prst="rect">
             <a:avLst/>
@@ -38060,10 +38082,10 @@
       </p:sp>
       <p:pic>
         <p:nvPicPr>
-          <p:cNvPr id="3" name="Grafik 2">
+          <p:cNvPr id="4" name="Grafik 3">
             <a:extLst>
               <a:ext uri="{FF2B5EF4-FFF2-40B4-BE49-F238E27FC236}">
-                <a16:creationId xmlns:a16="http://schemas.microsoft.com/office/drawing/2014/main" id="{16AEDDB3-AA7B-6AAD-344F-D89F4C6E527F}"/>
+                <a16:creationId xmlns:a16="http://schemas.microsoft.com/office/drawing/2014/main" id="{065FC0FD-1732-0FD6-2530-9FAA294A36B1}"/>
               </a:ext>
             </a:extLst>
           </p:cNvPr>
@@ -38081,7 +38103,7 @@
         <p:spPr>
           <a:xfrm>
             <a:off x="685800" y="902225"/>
-            <a:ext cx="7772400" cy="4172023"/>
+            <a:ext cx="7772400" cy="4061740"/>
           </a:xfrm>
           <a:prstGeom prst="rect">
             <a:avLst/>
@@ -39404,15 +39426,6 @@
 </file>
 
 <file path=customXml/item1.xml><?xml version="1.0" encoding="utf-8"?>
-<?mso-contentType ?>
-<FormTemplates xmlns="http://schemas.microsoft.com/sharepoint/v3/contenttype/forms">
-  <Display>DocumentLibraryForm</Display>
-  <Edit>DocumentLibraryForm</Edit>
-  <New>DocumentLibraryForm</New>
-</FormTemplates>
-</file>
-
-<file path=customXml/item2.xml><?xml version="1.0" encoding="utf-8"?>
 <ct:contentTypeSchema xmlns:ct="http://schemas.microsoft.com/office/2006/metadata/contentType" xmlns:ma="http://schemas.microsoft.com/office/2006/metadata/properties/metaAttributes" ct:_="" ma:_="" ma:contentTypeName="Document" ma:contentTypeID="0x010100268453A36429704DB1E2ABB26D5D9D4E" ma:contentTypeVersion="12" ma:contentTypeDescription="Create a new document." ma:contentTypeScope="" ma:versionID="8b01cddcf315657447de4c053a6898ab">
   <xsd:schema xmlns:xsd="http://www.w3.org/2001/XMLSchema" xmlns:xs="http://www.w3.org/2001/XMLSchema" xmlns:p="http://schemas.microsoft.com/office/2006/metadata/properties" xmlns:ns3="c98a221f-3853-4594-a8ac-547eb0bcaf82" xmlns:ns4="8801c332-bbb9-4cf7-81ec-0358147cded5" targetNamespace="http://schemas.microsoft.com/office/2006/metadata/properties" ma:root="true" ma:fieldsID="1310be0d515898f36ac32b8ada4f429f" ns3:_="" ns4:_="">
     <xsd:import namespace="c98a221f-3853-4594-a8ac-547eb0bcaf82"/>
@@ -39627,6 +39640,15 @@
 </ct:contentTypeSchema>
 </file>
 
+<file path=customXml/item2.xml><?xml version="1.0" encoding="utf-8"?>
+<?mso-contentType ?>
+<FormTemplates xmlns="http://schemas.microsoft.com/sharepoint/v3/contenttype/forms">
+  <Display>DocumentLibraryForm</Display>
+  <Edit>DocumentLibraryForm</Edit>
+  <New>DocumentLibraryForm</New>
+</FormTemplates>
+</file>
+
 <file path=customXml/item3.xml><?xml version="1.0" encoding="utf-8"?>
 <p:properties xmlns:p="http://schemas.microsoft.com/office/2006/metadata/properties" xmlns:xsi="http://www.w3.org/2001/XMLSchema-instance" xmlns:pc="http://schemas.microsoft.com/office/infopath/2007/PartnerControls">
   <documentManagement>
@@ -39636,14 +39658,6 @@
 </file>
 
 <file path=customXml/itemProps1.xml><?xml version="1.0" encoding="utf-8"?>
-<ds:datastoreItem xmlns:ds="http://schemas.openxmlformats.org/officeDocument/2006/customXml" ds:itemID="{B5F778B0-4512-4C89-9C6C-6DF3D664FA17}">
-  <ds:schemaRefs>
-    <ds:schemaRef ds:uri="http://schemas.microsoft.com/sharepoint/v3/contenttype/forms"/>
-  </ds:schemaRefs>
-</ds:datastoreItem>
-</file>
-
-<file path=customXml/itemProps2.xml><?xml version="1.0" encoding="utf-8"?>
 <ds:datastoreItem xmlns:ds="http://schemas.openxmlformats.org/officeDocument/2006/customXml" ds:itemID="{79C8F07B-0D26-49A1-8634-7539931DE8D8}">
   <ds:schemaRefs>
     <ds:schemaRef ds:uri="8801c332-bbb9-4cf7-81ec-0358147cded5"/>
@@ -39658,6 +39672,14 @@
     <ds:schemaRef ds:uri="http://schemas.microsoft.com/office/infopath/2007/PartnerControls"/>
     <ds:schemaRef ds:uri="http://schemas.openxmlformats.org/package/2006/metadata/core-properties"/>
     <ds:schemaRef ds:uri="http://www.w3.org/2001/XMLSchema"/>
+  </ds:schemaRefs>
+</ds:datastoreItem>
+</file>
+
+<file path=customXml/itemProps2.xml><?xml version="1.0" encoding="utf-8"?>
+<ds:datastoreItem xmlns:ds="http://schemas.openxmlformats.org/officeDocument/2006/customXml" ds:itemID="{B5F778B0-4512-4C89-9C6C-6DF3D664FA17}">
+  <ds:schemaRefs>
+    <ds:schemaRef ds:uri="http://schemas.microsoft.com/sharepoint/v3/contenttype/forms"/>
   </ds:schemaRefs>
 </ds:datastoreItem>
 </file>
